--- a/네트워크 기초/IP TV.pptx
+++ b/네트워크 기초/IP TV.pptx
@@ -8,10 +8,11 @@
     <p:sldId id="256" r:id="rId2"/>
     <p:sldId id="257" r:id="rId3"/>
     <p:sldId id="258" r:id="rId4"/>
-    <p:sldId id="260" r:id="rId5"/>
-    <p:sldId id="259" r:id="rId6"/>
-    <p:sldId id="261" r:id="rId7"/>
-    <p:sldId id="262" r:id="rId8"/>
+    <p:sldId id="263" r:id="rId5"/>
+    <p:sldId id="260" r:id="rId6"/>
+    <p:sldId id="259" r:id="rId7"/>
+    <p:sldId id="261" r:id="rId8"/>
+    <p:sldId id="262" r:id="rId9"/>
   </p:sldIdLst>
   <p:sldSz cx="12192000" cy="6858000"/>
   <p:notesSz cx="6858000" cy="9144000"/>
@@ -110,6 +111,11 @@
       </a:defRPr>
     </a:lvl9pPr>
   </p:defaultTextStyle>
+  <p:extLst>
+    <p:ext uri="{EFAFB233-063F-42B5-8137-9DF3F51BA10A}">
+      <p15:sldGuideLst xmlns:p15="http://schemas.microsoft.com/office/powerpoint/2012/main"/>
+    </p:ext>
+  </p:extLst>
 </p:presentation>
 </file>
 
@@ -260,7 +266,7 @@
           <a:p>
             <a:fld id="{E496F945-5C3F-45D4-9D68-7D535204DA03}" type="datetimeFigureOut">
               <a:rPr lang="ko-KR" altLang="en-US" smtClean="0"/>
-              <a:t>2018-05-17</a:t>
+              <a:t>2018-05-21</a:t>
             </a:fld>
             <a:endParaRPr lang="ko-KR" altLang="en-US"/>
           </a:p>
@@ -458,7 +464,7 @@
           <a:p>
             <a:fld id="{E496F945-5C3F-45D4-9D68-7D535204DA03}" type="datetimeFigureOut">
               <a:rPr lang="ko-KR" altLang="en-US" smtClean="0"/>
-              <a:t>2018-05-17</a:t>
+              <a:t>2018-05-21</a:t>
             </a:fld>
             <a:endParaRPr lang="ko-KR" altLang="en-US"/>
           </a:p>
@@ -666,7 +672,7 @@
           <a:p>
             <a:fld id="{E496F945-5C3F-45D4-9D68-7D535204DA03}" type="datetimeFigureOut">
               <a:rPr lang="ko-KR" altLang="en-US" smtClean="0"/>
-              <a:t>2018-05-17</a:t>
+              <a:t>2018-05-21</a:t>
             </a:fld>
             <a:endParaRPr lang="ko-KR" altLang="en-US"/>
           </a:p>
@@ -864,7 +870,7 @@
           <a:p>
             <a:fld id="{E496F945-5C3F-45D4-9D68-7D535204DA03}" type="datetimeFigureOut">
               <a:rPr lang="ko-KR" altLang="en-US" smtClean="0"/>
-              <a:t>2018-05-17</a:t>
+              <a:t>2018-05-21</a:t>
             </a:fld>
             <a:endParaRPr lang="ko-KR" altLang="en-US"/>
           </a:p>
@@ -1139,7 +1145,7 @@
           <a:p>
             <a:fld id="{E496F945-5C3F-45D4-9D68-7D535204DA03}" type="datetimeFigureOut">
               <a:rPr lang="ko-KR" altLang="en-US" smtClean="0"/>
-              <a:t>2018-05-17</a:t>
+              <a:t>2018-05-21</a:t>
             </a:fld>
             <a:endParaRPr lang="ko-KR" altLang="en-US"/>
           </a:p>
@@ -1404,7 +1410,7 @@
           <a:p>
             <a:fld id="{E496F945-5C3F-45D4-9D68-7D535204DA03}" type="datetimeFigureOut">
               <a:rPr lang="ko-KR" altLang="en-US" smtClean="0"/>
-              <a:t>2018-05-17</a:t>
+              <a:t>2018-05-21</a:t>
             </a:fld>
             <a:endParaRPr lang="ko-KR" altLang="en-US"/>
           </a:p>
@@ -1816,7 +1822,7 @@
           <a:p>
             <a:fld id="{E496F945-5C3F-45D4-9D68-7D535204DA03}" type="datetimeFigureOut">
               <a:rPr lang="ko-KR" altLang="en-US" smtClean="0"/>
-              <a:t>2018-05-17</a:t>
+              <a:t>2018-05-21</a:t>
             </a:fld>
             <a:endParaRPr lang="ko-KR" altLang="en-US"/>
           </a:p>
@@ -1957,7 +1963,7 @@
           <a:p>
             <a:fld id="{E496F945-5C3F-45D4-9D68-7D535204DA03}" type="datetimeFigureOut">
               <a:rPr lang="ko-KR" altLang="en-US" smtClean="0"/>
-              <a:t>2018-05-17</a:t>
+              <a:t>2018-05-21</a:t>
             </a:fld>
             <a:endParaRPr lang="ko-KR" altLang="en-US"/>
           </a:p>
@@ -2070,7 +2076,7 @@
           <a:p>
             <a:fld id="{E496F945-5C3F-45D4-9D68-7D535204DA03}" type="datetimeFigureOut">
               <a:rPr lang="ko-KR" altLang="en-US" smtClean="0"/>
-              <a:t>2018-05-17</a:t>
+              <a:t>2018-05-21</a:t>
             </a:fld>
             <a:endParaRPr lang="ko-KR" altLang="en-US"/>
           </a:p>
@@ -2381,7 +2387,7 @@
           <a:p>
             <a:fld id="{E496F945-5C3F-45D4-9D68-7D535204DA03}" type="datetimeFigureOut">
               <a:rPr lang="ko-KR" altLang="en-US" smtClean="0"/>
-              <a:t>2018-05-17</a:t>
+              <a:t>2018-05-21</a:t>
             </a:fld>
             <a:endParaRPr lang="ko-KR" altLang="en-US"/>
           </a:p>
@@ -2669,7 +2675,7 @@
           <a:p>
             <a:fld id="{E496F945-5C3F-45D4-9D68-7D535204DA03}" type="datetimeFigureOut">
               <a:rPr lang="ko-KR" altLang="en-US" smtClean="0"/>
-              <a:t>2018-05-17</a:t>
+              <a:t>2018-05-21</a:t>
             </a:fld>
             <a:endParaRPr lang="ko-KR" altLang="en-US"/>
           </a:p>
@@ -2910,7 +2916,7 @@
           <a:p>
             <a:fld id="{E496F945-5C3F-45D4-9D68-7D535204DA03}" type="datetimeFigureOut">
               <a:rPr lang="ko-KR" altLang="en-US" smtClean="0"/>
-              <a:t>2018-05-17</a:t>
+              <a:t>2018-05-21</a:t>
             </a:fld>
             <a:endParaRPr lang="ko-KR" altLang="en-US"/>
           </a:p>
@@ -3380,7 +3386,7 @@
           <a:bodyPr/>
           <a:lstStyle/>
           <a:p>
-            <a:endParaRPr lang="ko-KR" altLang="en-US"/>
+            <a:endParaRPr lang="ko-KR" altLang="en-US" dirty="0"/>
           </a:p>
         </p:txBody>
       </p:sp>
@@ -3685,7 +3691,7 @@
           <p:cNvPr id="2" name="제목 1">
             <a:extLst>
               <a:ext uri="{FF2B5EF4-FFF2-40B4-BE49-F238E27FC236}">
-                <a16:creationId xmlns:a16="http://schemas.microsoft.com/office/drawing/2014/main" id="{D828592C-8AC1-450B-BAD4-A0091913576B}"/>
+                <a16:creationId xmlns:a16="http://schemas.microsoft.com/office/drawing/2014/main" id="{5D1111FA-0AD6-4E0C-987B-DC13EEEFC1AD}"/>
               </a:ext>
             </a:extLst>
           </p:cNvPr>
@@ -3703,15 +3709,15 @@
           <a:p>
             <a:r>
               <a:rPr lang="ko-KR" altLang="en-US" dirty="0"/>
-              <a:t>특징</a:t>
+              <a:t>구조 </a:t>
             </a:r>
             <a:r>
               <a:rPr lang="en-US" altLang="ko-KR" dirty="0"/>
-              <a:t>	/ </a:t>
+              <a:t>&amp; </a:t>
             </a:r>
             <a:r>
               <a:rPr lang="ko-KR" altLang="en-US" dirty="0"/>
-              <a:t>미래</a:t>
+              <a:t>기술</a:t>
             </a:r>
           </a:p>
         </p:txBody>
@@ -3721,7 +3727,7 @@
           <p:cNvPr id="3" name="내용 개체 틀 2">
             <a:extLst>
               <a:ext uri="{FF2B5EF4-FFF2-40B4-BE49-F238E27FC236}">
-                <a16:creationId xmlns:a16="http://schemas.microsoft.com/office/drawing/2014/main" id="{433A3418-0FBE-46D7-871B-FD710A26D49A}"/>
+                <a16:creationId xmlns:a16="http://schemas.microsoft.com/office/drawing/2014/main" id="{6E3C3FCE-9B4C-4061-B913-878693BA3808}"/>
               </a:ext>
             </a:extLst>
           </p:cNvPr>
@@ -3739,46 +3745,29 @@
           <a:p>
             <a:r>
               <a:rPr lang="ko-KR" altLang="en-US" dirty="0"/>
-              <a:t>양방향 통신</a:t>
-            </a:r>
+              <a:t>홈 게이트웨이를 중심으로 한 네트워크</a:t>
+            </a:r>
+            <a:r>
+              <a:rPr lang="en-US" altLang="ko-KR" dirty="0"/>
+              <a:t>.</a:t>
+            </a:r>
+          </a:p>
+          <a:p>
             <a:endParaRPr lang="en-US" altLang="ko-KR" dirty="0"/>
           </a:p>
           <a:p>
-            <a:endParaRPr lang="en-US" altLang="ko-KR" dirty="0"/>
-          </a:p>
-          <a:p>
+            <a:r>
+              <a:rPr lang="en-US" altLang="ko-KR" dirty="0"/>
+              <a:t>STB(set</a:t>
+            </a:r>
             <a:r>
               <a:rPr lang="ko-KR" altLang="en-US" dirty="0"/>
-              <a:t>모바일 통신 사업자와의 제휴</a:t>
-            </a:r>
-            <a:endParaRPr lang="en-US" altLang="ko-KR" dirty="0"/>
-          </a:p>
-          <a:p>
-            <a:endParaRPr lang="en-US" altLang="ko-KR" dirty="0"/>
-          </a:p>
-          <a:p>
-            <a:r>
-              <a:rPr lang="en-US" altLang="ko-KR" dirty="0" err="1"/>
-              <a:t>Iot</a:t>
-            </a:r>
-            <a:r>
-              <a:rPr lang="ko-KR" altLang="en-US" dirty="0"/>
-              <a:t>의 </a:t>
-            </a:r>
-            <a:r>
-              <a:rPr lang="ko-KR" altLang="en-US" dirty="0" err="1"/>
-              <a:t>허브로서의</a:t>
-            </a:r>
-            <a:r>
-              <a:rPr lang="ko-KR" altLang="en-US" dirty="0"/>
-              <a:t> 가능성</a:t>
-            </a:r>
-            <a:endParaRPr lang="en-US" altLang="ko-KR" dirty="0"/>
-          </a:p>
-          <a:p>
-            <a:endParaRPr lang="en-US" altLang="ko-KR" dirty="0"/>
-          </a:p>
-          <a:p>
+              <a:t> </a:t>
+            </a:r>
+            <a:r>
+              <a:rPr lang="en-US" altLang="ko-KR" dirty="0"/>
+              <a:t>top box)</a:t>
+            </a:r>
             <a:endParaRPr lang="ko-KR" altLang="en-US" dirty="0"/>
           </a:p>
         </p:txBody>
@@ -3786,7 +3775,7 @@
     </p:spTree>
     <p:extLst>
       <p:ext uri="{BB962C8B-B14F-4D97-AF65-F5344CB8AC3E}">
-        <p14:creationId xmlns:p14="http://schemas.microsoft.com/office/powerpoint/2010/main" val="3262528754"/>
+        <p14:creationId xmlns:p14="http://schemas.microsoft.com/office/powerpoint/2010/main" val="2198701783"/>
       </p:ext>
     </p:extLst>
   </p:cSld>
@@ -3818,7 +3807,7 @@
           <p:cNvPr id="2" name="제목 1">
             <a:extLst>
               <a:ext uri="{FF2B5EF4-FFF2-40B4-BE49-F238E27FC236}">
-                <a16:creationId xmlns:a16="http://schemas.microsoft.com/office/drawing/2014/main" id="{3A158571-1239-4EED-B127-43D4515274FF}"/>
+                <a16:creationId xmlns:a16="http://schemas.microsoft.com/office/drawing/2014/main" id="{D828592C-8AC1-450B-BAD4-A0091913576B}"/>
               </a:ext>
             </a:extLst>
           </p:cNvPr>
@@ -3836,71 +3825,140 @@
           <a:p>
             <a:r>
               <a:rPr lang="ko-KR" altLang="en-US" dirty="0"/>
-              <a:t>망중립성</a:t>
-            </a:r>
-            <a:br>
+              <a:t>특징</a:t>
+            </a:r>
+            <a:r>
               <a:rPr lang="en-US" altLang="ko-KR" dirty="0"/>
-            </a:br>
+              <a:t>	/ </a:t>
+            </a:r>
+            <a:r>
+              <a:rPr lang="ko-KR" altLang="en-US" dirty="0"/>
+              <a:t>미래</a:t>
+            </a:r>
+          </a:p>
+        </p:txBody>
+      </p:sp>
+      <p:sp>
+        <p:nvSpPr>
+          <p:cNvPr id="3" name="내용 개체 틀 2">
+            <a:extLst>
+              <a:ext uri="{FF2B5EF4-FFF2-40B4-BE49-F238E27FC236}">
+                <a16:creationId xmlns:a16="http://schemas.microsoft.com/office/drawing/2014/main" id="{433A3418-0FBE-46D7-871B-FD710A26D49A}"/>
+              </a:ext>
+            </a:extLst>
+          </p:cNvPr>
+          <p:cNvSpPr>
+            <a:spLocks noGrp="1"/>
+          </p:cNvSpPr>
+          <p:nvPr>
+            <p:ph idx="1"/>
+          </p:nvPr>
+        </p:nvSpPr>
+        <p:spPr>
+          <a:xfrm>
+            <a:off x="838200" y="1825624"/>
+            <a:ext cx="10515600" cy="4849495"/>
+          </a:xfrm>
+        </p:spPr>
+        <p:txBody>
+          <a:bodyPr>
+            <a:normAutofit/>
+          </a:bodyPr>
+          <a:lstStyle/>
+          <a:p>
+            <a:r>
+              <a:rPr lang="ko-KR" altLang="en-US" dirty="0"/>
+              <a:t>양방향 통신</a:t>
+            </a:r>
+            <a:endParaRPr lang="en-US" altLang="ko-KR" dirty="0"/>
+          </a:p>
+          <a:p>
+            <a:endParaRPr lang="en-US" altLang="ko-KR" dirty="0"/>
+          </a:p>
+          <a:p>
+            <a:r>
+              <a:rPr lang="ko-KR" altLang="en-US" dirty="0"/>
+              <a:t>모바일 통신 사업자와의 제휴</a:t>
+            </a:r>
             <a:r>
               <a:rPr lang="en-US" altLang="ko-KR" dirty="0"/>
-              <a:t>	</a:t>
-            </a:r>
-            <a:endParaRPr lang="ko-KR" altLang="en-US" dirty="0"/>
-          </a:p>
-        </p:txBody>
-      </p:sp>
-      <p:sp>
-        <p:nvSpPr>
-          <p:cNvPr id="3" name="내용 개체 틀 2">
-            <a:extLst>
-              <a:ext uri="{FF2B5EF4-FFF2-40B4-BE49-F238E27FC236}">
-                <a16:creationId xmlns:a16="http://schemas.microsoft.com/office/drawing/2014/main" id="{11E4A123-C33E-46AC-AED2-CE039B1972CE}"/>
-              </a:ext>
-            </a:extLst>
-          </p:cNvPr>
-          <p:cNvSpPr>
-            <a:spLocks noGrp="1"/>
-          </p:cNvSpPr>
-          <p:nvPr>
-            <p:ph idx="1"/>
-          </p:nvPr>
-        </p:nvSpPr>
-        <p:spPr/>
-        <p:txBody>
-          <a:bodyPr/>
-          <a:lstStyle/>
-          <a:p>
-            <a:pPr marL="0" indent="0">
-              <a:buNone/>
-            </a:pPr>
+              <a:t>, </a:t>
+            </a:r>
             <a:r>
               <a:rPr lang="ko-KR" altLang="en-US" dirty="0"/>
-              <a:t>인터넷 망을 제공하는 사업자</a:t>
+              <a:t>모바일 기기 이용</a:t>
             </a:r>
             <a:r>
               <a:rPr lang="en-US" altLang="ko-KR" dirty="0"/>
-              <a:t>(ISP)</a:t>
+              <a:t>?</a:t>
+            </a:r>
+          </a:p>
+          <a:p>
+            <a:endParaRPr lang="en-US" altLang="ko-KR" dirty="0"/>
+          </a:p>
+          <a:p>
+            <a:r>
+              <a:rPr lang="en-US" altLang="ko-KR" dirty="0" err="1"/>
+              <a:t>Iot</a:t>
             </a:r>
             <a:r>
               <a:rPr lang="ko-KR" altLang="en-US" dirty="0"/>
-              <a:t>는 </a:t>
+              <a:t>의 </a:t>
             </a:r>
             <a:r>
               <a:rPr lang="ko-KR" altLang="en-US" dirty="0" err="1"/>
-              <a:t>트레픽에</a:t>
+              <a:t>허브로서의</a:t>
             </a:r>
             <a:r>
               <a:rPr lang="ko-KR" altLang="en-US" dirty="0"/>
-              <a:t> 상관없이 동일하게 망을 </a:t>
+              <a:t> 가능성</a:t>
+            </a:r>
+            <a:endParaRPr lang="en-US" altLang="ko-KR" dirty="0"/>
+          </a:p>
+          <a:p>
+            <a:endParaRPr lang="en-US" altLang="ko-KR" dirty="0"/>
+          </a:p>
+          <a:p>
+            <a:r>
+              <a:rPr lang="ko-KR" altLang="en-US" dirty="0"/>
+              <a:t>음성 서비스를 통한 더함</a:t>
+            </a:r>
+            <a:r>
+              <a:rPr lang="en-US" altLang="ko-KR" dirty="0"/>
+              <a:t>?	</a:t>
+            </a:r>
+          </a:p>
+          <a:p>
+            <a:endParaRPr lang="en-US" altLang="ko-KR" dirty="0"/>
+          </a:p>
+          <a:p>
+            <a:r>
+              <a:rPr lang="en-US" altLang="ko-KR" dirty="0"/>
+              <a:t>1</a:t>
+            </a:r>
+            <a:r>
+              <a:rPr lang="ko-KR" altLang="en-US" dirty="0"/>
+              <a:t>인 가구의 증가</a:t>
+            </a:r>
+            <a:r>
+              <a:rPr lang="en-US" altLang="ko-KR" dirty="0"/>
+              <a:t>.? </a:t>
             </a:r>
             <a:r>
               <a:rPr lang="ko-KR" altLang="en-US" dirty="0" err="1"/>
-              <a:t>제공해야한다는</a:t>
-            </a:r>
-            <a:r>
-              <a:rPr lang="ko-KR" altLang="en-US" dirty="0"/>
-              <a:t> 원칙</a:t>
-            </a:r>
+              <a:t>유튜버</a:t>
+            </a:r>
+            <a:r>
+              <a:rPr lang="en-US" altLang="ko-KR" dirty="0"/>
+              <a:t>?, </a:t>
+            </a:r>
+            <a:r>
+              <a:rPr lang="ko-KR" altLang="en-US" dirty="0" err="1"/>
+              <a:t>넷플릭스</a:t>
+            </a:r>
+            <a:endParaRPr lang="en-US" altLang="ko-KR" dirty="0"/>
+          </a:p>
+          <a:p>
             <a:endParaRPr lang="en-US" altLang="ko-KR" dirty="0"/>
           </a:p>
           <a:p>
@@ -3910,43 +3968,17 @@
             <a:endParaRPr lang="en-US" altLang="ko-KR" dirty="0"/>
           </a:p>
           <a:p>
-            <a:pPr marL="0" indent="0">
-              <a:buNone/>
-            </a:pPr>
-            <a:r>
-              <a:rPr lang="ko-KR" altLang="en-US" dirty="0"/>
-              <a:t>망을 사용하는 유저에 간섭을 하지 마라</a:t>
-            </a:r>
-            <a:r>
-              <a:rPr lang="en-US" altLang="ko-KR" dirty="0"/>
-              <a:t>!</a:t>
-            </a:r>
-          </a:p>
-          <a:p>
-            <a:pPr marL="0" indent="0">
-              <a:buNone/>
-            </a:pPr>
             <a:endParaRPr lang="en-US" altLang="ko-KR" dirty="0"/>
           </a:p>
           <a:p>
-            <a:pPr marL="0" indent="0">
-              <a:buNone/>
-            </a:pPr>
-            <a:r>
-              <a:rPr lang="ko-KR" altLang="en-US" dirty="0"/>
-              <a:t>부정 할 시 사용자의 요금에 따라 더 나쁜 네트워크를 사용할 수 밖에 없다</a:t>
-            </a:r>
-            <a:r>
-              <a:rPr lang="en-US" altLang="ko-KR" dirty="0"/>
-              <a:t>.</a:t>
-            </a:r>
+            <a:endParaRPr lang="ko-KR" altLang="en-US" dirty="0"/>
           </a:p>
         </p:txBody>
       </p:sp>
     </p:spTree>
     <p:extLst>
       <p:ext uri="{BB962C8B-B14F-4D97-AF65-F5344CB8AC3E}">
-        <p14:creationId xmlns:p14="http://schemas.microsoft.com/office/powerpoint/2010/main" val="2942191076"/>
+        <p14:creationId xmlns:p14="http://schemas.microsoft.com/office/powerpoint/2010/main" val="3262528754"/>
       </p:ext>
     </p:extLst>
   </p:cSld>
@@ -3978,7 +4010,7 @@
           <p:cNvPr id="2" name="제목 1">
             <a:extLst>
               <a:ext uri="{FF2B5EF4-FFF2-40B4-BE49-F238E27FC236}">
-                <a16:creationId xmlns:a16="http://schemas.microsoft.com/office/drawing/2014/main" id="{5DD50DAE-2068-45B9-B497-D0C65569FBB1}"/>
+                <a16:creationId xmlns:a16="http://schemas.microsoft.com/office/drawing/2014/main" id="{3A158571-1239-4EED-B127-43D4515274FF}"/>
               </a:ext>
             </a:extLst>
           </p:cNvPr>
@@ -3996,11 +4028,14 @@
           <a:p>
             <a:r>
               <a:rPr lang="ko-KR" altLang="en-US" dirty="0"/>
-              <a:t>망중립성이 깨지면</a:t>
-            </a:r>
-            <a:r>
+              <a:t>망중립성</a:t>
+            </a:r>
+            <a:br>
               <a:rPr lang="en-US" altLang="ko-KR" dirty="0"/>
-              <a:t>?</a:t>
+            </a:br>
+            <a:r>
+              <a:rPr lang="en-US" altLang="ko-KR" dirty="0"/>
+              <a:t>	</a:t>
             </a:r>
             <a:endParaRPr lang="ko-KR" altLang="en-US" dirty="0"/>
           </a:p>
@@ -4011,7 +4046,7 @@
           <p:cNvPr id="3" name="내용 개체 틀 2">
             <a:extLst>
               <a:ext uri="{FF2B5EF4-FFF2-40B4-BE49-F238E27FC236}">
-                <a16:creationId xmlns:a16="http://schemas.microsoft.com/office/drawing/2014/main" id="{FC1008F6-4B26-4DD3-98F2-2417068F3F5C}"/>
+                <a16:creationId xmlns:a16="http://schemas.microsoft.com/office/drawing/2014/main" id="{11E4A123-C33E-46AC-AED2-CE039B1972CE}"/>
               </a:ext>
             </a:extLst>
           </p:cNvPr>
@@ -4027,63 +4062,36 @@
           <a:bodyPr/>
           <a:lstStyle/>
           <a:p>
+            <a:pPr marL="0" indent="0">
+              <a:buNone/>
+            </a:pPr>
             <a:r>
               <a:rPr lang="ko-KR" altLang="en-US" dirty="0"/>
-              <a:t>컨텐츠 시장이 힘들어 질 수 있음</a:t>
+              <a:t>인터넷 망을 제공하는 사업자</a:t>
             </a:r>
             <a:r>
               <a:rPr lang="en-US" altLang="ko-KR" dirty="0"/>
-              <a:t>(</a:t>
+              <a:t>(ISP)</a:t>
             </a:r>
             <a:r>
               <a:rPr lang="ko-KR" altLang="en-US" dirty="0"/>
-              <a:t>특히 벤처</a:t>
-            </a:r>
-            <a:r>
-              <a:rPr lang="en-US" altLang="ko-KR" dirty="0"/>
-              <a:t>)</a:t>
-            </a:r>
-          </a:p>
-          <a:p>
-            <a:endParaRPr lang="en-US" altLang="ko-KR" dirty="0"/>
-          </a:p>
-          <a:p>
+              <a:t>는 </a:t>
+            </a:r>
             <a:r>
               <a:rPr lang="ko-KR" altLang="en-US" dirty="0" err="1"/>
-              <a:t>제로레이팅의</a:t>
+              <a:t>트레픽에</a:t>
             </a:r>
             <a:r>
               <a:rPr lang="ko-KR" altLang="en-US" dirty="0"/>
-              <a:t> 증가</a:t>
-            </a:r>
-            <a:r>
-              <a:rPr lang="en-US" altLang="ko-KR" dirty="0"/>
-              <a:t>?(</a:t>
+              <a:t> 상관없이 동일하게 망을 </a:t>
+            </a:r>
+            <a:r>
+              <a:rPr lang="ko-KR" altLang="en-US" dirty="0" err="1"/>
+              <a:t>제공해야한다는</a:t>
             </a:r>
             <a:r>
               <a:rPr lang="ko-KR" altLang="en-US" dirty="0"/>
-              <a:t>기업이 망 사용료를 대신 부담</a:t>
-            </a:r>
-            <a:r>
-              <a:rPr lang="en-US" altLang="ko-KR" dirty="0"/>
-              <a:t>)</a:t>
-            </a:r>
-          </a:p>
-          <a:p>
-            <a:endParaRPr lang="en-US" altLang="ko-KR" dirty="0"/>
-          </a:p>
-          <a:p>
-            <a:r>
-              <a:rPr lang="ko-KR" altLang="en-US" dirty="0" err="1"/>
-              <a:t>으억</a:t>
-            </a:r>
-            <a:r>
-              <a:rPr lang="ko-KR" altLang="en-US" dirty="0"/>
-              <a:t> 게임업계 </a:t>
-            </a:r>
-            <a:r>
-              <a:rPr lang="ko-KR" altLang="en-US" dirty="0" err="1"/>
-              <a:t>죽어욧</a:t>
+              <a:t> 원칙</a:t>
             </a:r>
             <a:endParaRPr lang="en-US" altLang="ko-KR" dirty="0"/>
           </a:p>
@@ -4097,14 +4105,40 @@
             <a:pPr marL="0" indent="0">
               <a:buNone/>
             </a:pPr>
-            <a:endParaRPr lang="ko-KR" altLang="en-US" dirty="0"/>
+            <a:r>
+              <a:rPr lang="ko-KR" altLang="en-US" dirty="0"/>
+              <a:t>망을 사용하는 유저에 간섭을 하지 마라</a:t>
+            </a:r>
+            <a:r>
+              <a:rPr lang="en-US" altLang="ko-KR" dirty="0"/>
+              <a:t>!</a:t>
+            </a:r>
+          </a:p>
+          <a:p>
+            <a:pPr marL="0" indent="0">
+              <a:buNone/>
+            </a:pPr>
+            <a:endParaRPr lang="en-US" altLang="ko-KR" dirty="0"/>
+          </a:p>
+          <a:p>
+            <a:pPr marL="0" indent="0">
+              <a:buNone/>
+            </a:pPr>
+            <a:r>
+              <a:rPr lang="ko-KR" altLang="en-US" dirty="0"/>
+              <a:t>부정 할 시 사용자의 요금에 따라 더 나쁜 네트워크를 사용할 수 밖에 없다</a:t>
+            </a:r>
+            <a:r>
+              <a:rPr lang="en-US" altLang="ko-KR" dirty="0"/>
+              <a:t>.</a:t>
+            </a:r>
           </a:p>
         </p:txBody>
       </p:sp>
     </p:spTree>
     <p:extLst>
       <p:ext uri="{BB962C8B-B14F-4D97-AF65-F5344CB8AC3E}">
-        <p14:creationId xmlns:p14="http://schemas.microsoft.com/office/powerpoint/2010/main" val="512348009"/>
+        <p14:creationId xmlns:p14="http://schemas.microsoft.com/office/powerpoint/2010/main" val="2942191076"/>
       </p:ext>
     </p:extLst>
   </p:cSld>
@@ -4136,6 +4170,152 @@
           <p:cNvPr id="2" name="제목 1">
             <a:extLst>
               <a:ext uri="{FF2B5EF4-FFF2-40B4-BE49-F238E27FC236}">
+                <a16:creationId xmlns:a16="http://schemas.microsoft.com/office/drawing/2014/main" id="{5DD50DAE-2068-45B9-B497-D0C65569FBB1}"/>
+              </a:ext>
+            </a:extLst>
+          </p:cNvPr>
+          <p:cNvSpPr>
+            <a:spLocks noGrp="1"/>
+          </p:cNvSpPr>
+          <p:nvPr>
+            <p:ph type="title"/>
+          </p:nvPr>
+        </p:nvSpPr>
+        <p:spPr/>
+        <p:txBody>
+          <a:bodyPr/>
+          <a:lstStyle/>
+          <a:p>
+            <a:r>
+              <a:rPr lang="ko-KR" altLang="en-US" dirty="0"/>
+              <a:t>망중립성이 깨지면</a:t>
+            </a:r>
+            <a:r>
+              <a:rPr lang="en-US" altLang="ko-KR" dirty="0"/>
+              <a:t>?</a:t>
+            </a:r>
+            <a:endParaRPr lang="ko-KR" altLang="en-US" dirty="0"/>
+          </a:p>
+        </p:txBody>
+      </p:sp>
+      <p:sp>
+        <p:nvSpPr>
+          <p:cNvPr id="3" name="내용 개체 틀 2">
+            <a:extLst>
+              <a:ext uri="{FF2B5EF4-FFF2-40B4-BE49-F238E27FC236}">
+                <a16:creationId xmlns:a16="http://schemas.microsoft.com/office/drawing/2014/main" id="{FC1008F6-4B26-4DD3-98F2-2417068F3F5C}"/>
+              </a:ext>
+            </a:extLst>
+          </p:cNvPr>
+          <p:cNvSpPr>
+            <a:spLocks noGrp="1"/>
+          </p:cNvSpPr>
+          <p:nvPr>
+            <p:ph idx="1"/>
+          </p:nvPr>
+        </p:nvSpPr>
+        <p:spPr/>
+        <p:txBody>
+          <a:bodyPr/>
+          <a:lstStyle/>
+          <a:p>
+            <a:r>
+              <a:rPr lang="ko-KR" altLang="en-US" dirty="0"/>
+              <a:t>컨텐츠 시장이 힘들어 질 수 있음</a:t>
+            </a:r>
+            <a:r>
+              <a:rPr lang="en-US" altLang="ko-KR" dirty="0"/>
+              <a:t>(</a:t>
+            </a:r>
+            <a:r>
+              <a:rPr lang="ko-KR" altLang="en-US" dirty="0"/>
+              <a:t>특히 벤처</a:t>
+            </a:r>
+            <a:r>
+              <a:rPr lang="en-US" altLang="ko-KR" dirty="0"/>
+              <a:t>)</a:t>
+            </a:r>
+          </a:p>
+          <a:p>
+            <a:endParaRPr lang="en-US" altLang="ko-KR" dirty="0"/>
+          </a:p>
+          <a:p>
+            <a:r>
+              <a:rPr lang="ko-KR" altLang="en-US" dirty="0"/>
+              <a:t>제로레이팅의 증가</a:t>
+            </a:r>
+            <a:r>
+              <a:rPr lang="en-US" altLang="ko-KR" dirty="0"/>
+              <a:t>?(</a:t>
+            </a:r>
+            <a:r>
+              <a:rPr lang="ko-KR" altLang="en-US" dirty="0"/>
+              <a:t>기업이 망 사용료를 대신 부담</a:t>
+            </a:r>
+            <a:r>
+              <a:rPr lang="en-US" altLang="ko-KR" dirty="0"/>
+              <a:t>)</a:t>
+            </a:r>
+          </a:p>
+          <a:p>
+            <a:endParaRPr lang="en-US" altLang="ko-KR" dirty="0"/>
+          </a:p>
+          <a:p>
+            <a:r>
+              <a:rPr lang="ko-KR" altLang="en-US" dirty="0"/>
+              <a:t>으악 게임업계 죽어요</a:t>
+            </a:r>
+            <a:endParaRPr lang="en-US" altLang="ko-KR" dirty="0"/>
+          </a:p>
+          <a:p>
+            <a:pPr marL="0" indent="0">
+              <a:buNone/>
+            </a:pPr>
+            <a:endParaRPr lang="en-US" altLang="ko-KR" dirty="0"/>
+          </a:p>
+          <a:p>
+            <a:pPr marL="0" indent="0">
+              <a:buNone/>
+            </a:pPr>
+            <a:endParaRPr lang="ko-KR" altLang="en-US" dirty="0"/>
+          </a:p>
+        </p:txBody>
+      </p:sp>
+    </p:spTree>
+    <p:extLst>
+      <p:ext uri="{BB962C8B-B14F-4D97-AF65-F5344CB8AC3E}">
+        <p14:creationId xmlns:p14="http://schemas.microsoft.com/office/powerpoint/2010/main" val="512348009"/>
+      </p:ext>
+    </p:extLst>
+  </p:cSld>
+  <p:clrMapOvr>
+    <a:masterClrMapping/>
+  </p:clrMapOvr>
+</p:sld>
+</file>
+
+<file path=ppt/slides/slide8.xml><?xml version="1.0" encoding="utf-8"?>
+<p:sld xmlns:a="http://schemas.openxmlformats.org/drawingml/2006/main" xmlns:r="http://schemas.openxmlformats.org/officeDocument/2006/relationships" xmlns:p="http://schemas.openxmlformats.org/presentationml/2006/main">
+  <p:cSld>
+    <p:spTree>
+      <p:nvGrpSpPr>
+        <p:cNvPr id="1" name=""/>
+        <p:cNvGrpSpPr/>
+        <p:nvPr/>
+      </p:nvGrpSpPr>
+      <p:grpSpPr>
+        <a:xfrm>
+          <a:off x="0" y="0"/>
+          <a:ext cx="0" cy="0"/>
+          <a:chOff x="0" y="0"/>
+          <a:chExt cx="0" cy="0"/>
+        </a:xfrm>
+      </p:grpSpPr>
+      <p:sp>
+        <p:nvSpPr>
+          <p:cNvPr id="2" name="제목 1">
+            <a:extLst>
+              <a:ext uri="{FF2B5EF4-FFF2-40B4-BE49-F238E27FC236}">
                 <a16:creationId xmlns:a16="http://schemas.microsoft.com/office/drawing/2014/main" id="{F5536785-63B7-4996-96BD-A9A2DDCA3CF5}"/>
               </a:ext>
             </a:extLst>
@@ -4198,11 +4378,7 @@
             </a:r>
             <a:r>
               <a:rPr lang="ko-KR" altLang="en-US" dirty="0"/>
-              <a:t>국가가 </a:t>
-            </a:r>
-            <a:r>
-              <a:rPr lang="ko-KR" altLang="en-US" dirty="0" err="1"/>
-              <a:t>밀어줌</a:t>
+              <a:t>국가가 밀어준</a:t>
             </a:r>
             <a:r>
               <a:rPr lang="en-US" altLang="ko-KR" dirty="0"/>
@@ -4249,15 +4425,7 @@
           <a:p>
             <a:r>
               <a:rPr lang="ko-KR" altLang="en-US" dirty="0"/>
-              <a:t>요즘 구글이나 아마존은 걍 자기가 인터넷망 사업을 </a:t>
-            </a:r>
-            <a:r>
-              <a:rPr lang="ko-KR" altLang="en-US" dirty="0" err="1"/>
-              <a:t>하려고함</a:t>
-            </a:r>
-            <a:r>
-              <a:rPr lang="ko-KR" altLang="en-US" dirty="0"/>
-              <a:t> </a:t>
+              <a:t>요즘 구글이나 아마존은 걍 자기가 인터넷망 사업을 하려 고함 </a:t>
             </a:r>
             <a:r>
               <a:rPr lang="ko-KR" altLang="en-US" dirty="0" err="1"/>
